--- a/nerf_gun.pptx
+++ b/nerf_gun.pptx
@@ -243,7 +243,7 @@
           <a:p>
             <a:fld id="{38354A4D-8C29-4FA9-BADF-2B65B6039A9C}" type="datetimeFigureOut">
               <a:rPr lang="en-US" smtClean="0"/>
-              <a:t>10/13/2018</a:t>
+              <a:t>1/29/2021</a:t>
             </a:fld>
             <a:endParaRPr lang="en-US"/>
           </a:p>
@@ -413,7 +413,7 @@
           <a:p>
             <a:fld id="{38354A4D-8C29-4FA9-BADF-2B65B6039A9C}" type="datetimeFigureOut">
               <a:rPr lang="en-US" smtClean="0"/>
-              <a:t>10/13/2018</a:t>
+              <a:t>1/29/2021</a:t>
             </a:fld>
             <a:endParaRPr lang="en-US"/>
           </a:p>
@@ -593,7 +593,7 @@
           <a:p>
             <a:fld id="{38354A4D-8C29-4FA9-BADF-2B65B6039A9C}" type="datetimeFigureOut">
               <a:rPr lang="en-US" smtClean="0"/>
-              <a:t>10/13/2018</a:t>
+              <a:t>1/29/2021</a:t>
             </a:fld>
             <a:endParaRPr lang="en-US"/>
           </a:p>
@@ -763,7 +763,7 @@
           <a:p>
             <a:fld id="{38354A4D-8C29-4FA9-BADF-2B65B6039A9C}" type="datetimeFigureOut">
               <a:rPr lang="en-US" smtClean="0"/>
-              <a:t>10/13/2018</a:t>
+              <a:t>1/29/2021</a:t>
             </a:fld>
             <a:endParaRPr lang="en-US"/>
           </a:p>
@@ -1009,7 +1009,7 @@
           <a:p>
             <a:fld id="{38354A4D-8C29-4FA9-BADF-2B65B6039A9C}" type="datetimeFigureOut">
               <a:rPr lang="en-US" smtClean="0"/>
-              <a:t>10/13/2018</a:t>
+              <a:t>1/29/2021</a:t>
             </a:fld>
             <a:endParaRPr lang="en-US"/>
           </a:p>
@@ -1241,7 +1241,7 @@
           <a:p>
             <a:fld id="{38354A4D-8C29-4FA9-BADF-2B65B6039A9C}" type="datetimeFigureOut">
               <a:rPr lang="en-US" smtClean="0"/>
-              <a:t>10/13/2018</a:t>
+              <a:t>1/29/2021</a:t>
             </a:fld>
             <a:endParaRPr lang="en-US"/>
           </a:p>
@@ -1608,7 +1608,7 @@
           <a:p>
             <a:fld id="{38354A4D-8C29-4FA9-BADF-2B65B6039A9C}" type="datetimeFigureOut">
               <a:rPr lang="en-US" smtClean="0"/>
-              <a:t>10/13/2018</a:t>
+              <a:t>1/29/2021</a:t>
             </a:fld>
             <a:endParaRPr lang="en-US"/>
           </a:p>
@@ -1726,7 +1726,7 @@
           <a:p>
             <a:fld id="{38354A4D-8C29-4FA9-BADF-2B65B6039A9C}" type="datetimeFigureOut">
               <a:rPr lang="en-US" smtClean="0"/>
-              <a:t>10/13/2018</a:t>
+              <a:t>1/29/2021</a:t>
             </a:fld>
             <a:endParaRPr lang="en-US"/>
           </a:p>
@@ -1821,7 +1821,7 @@
           <a:p>
             <a:fld id="{38354A4D-8C29-4FA9-BADF-2B65B6039A9C}" type="datetimeFigureOut">
               <a:rPr lang="en-US" smtClean="0"/>
-              <a:t>10/13/2018</a:t>
+              <a:t>1/29/2021</a:t>
             </a:fld>
             <a:endParaRPr lang="en-US"/>
           </a:p>
@@ -2098,7 +2098,7 @@
           <a:p>
             <a:fld id="{38354A4D-8C29-4FA9-BADF-2B65B6039A9C}" type="datetimeFigureOut">
               <a:rPr lang="en-US" smtClean="0"/>
-              <a:t>10/13/2018</a:t>
+              <a:t>1/29/2021</a:t>
             </a:fld>
             <a:endParaRPr lang="en-US"/>
           </a:p>
@@ -2351,7 +2351,7 @@
           <a:p>
             <a:fld id="{38354A4D-8C29-4FA9-BADF-2B65B6039A9C}" type="datetimeFigureOut">
               <a:rPr lang="en-US" smtClean="0"/>
-              <a:t>10/13/2018</a:t>
+              <a:t>1/29/2021</a:t>
             </a:fld>
             <a:endParaRPr lang="en-US"/>
           </a:p>
@@ -2564,7 +2564,7 @@
           <a:p>
             <a:fld id="{38354A4D-8C29-4FA9-BADF-2B65B6039A9C}" type="datetimeFigureOut">
               <a:rPr lang="en-US" smtClean="0"/>
-              <a:t>10/13/2018</a:t>
+              <a:t>1/29/2021</a:t>
             </a:fld>
             <a:endParaRPr lang="en-US"/>
           </a:p>
@@ -3109,8 +3109,8 @@
         </p:nvSpPr>
         <p:spPr>
           <a:xfrm>
-            <a:off x="1089061" y="2904173"/>
-            <a:ext cx="5647369" cy="339047"/>
+            <a:off x="2753710" y="2904173"/>
+            <a:ext cx="3982720" cy="339047"/>
           </a:xfrm>
           <a:prstGeom prst="rect">
             <a:avLst/>
@@ -3149,8 +3149,8 @@
         </p:nvSpPr>
         <p:spPr>
           <a:xfrm>
-            <a:off x="1097625" y="1083945"/>
-            <a:ext cx="5647369" cy="339047"/>
+            <a:off x="2753710" y="1083945"/>
+            <a:ext cx="3991284" cy="339047"/>
           </a:xfrm>
           <a:prstGeom prst="rect">
             <a:avLst/>
@@ -3366,7 +3366,7 @@
         </p:nvSpPr>
         <p:spPr>
           <a:xfrm>
-            <a:off x="6859711" y="2359631"/>
+            <a:off x="6855844" y="426464"/>
             <a:ext cx="418704" cy="646331"/>
           </a:xfrm>
           <a:prstGeom prst="rect">
@@ -3396,7 +3396,7 @@
         </p:nvSpPr>
         <p:spPr>
           <a:xfrm>
-            <a:off x="7279235" y="2357921"/>
+            <a:off x="7299171" y="426463"/>
             <a:ext cx="418704" cy="646331"/>
           </a:xfrm>
           <a:prstGeom prst="rect">
@@ -3426,8 +3426,8 @@
         </p:nvSpPr>
         <p:spPr>
           <a:xfrm>
-            <a:off x="7993294" y="750013"/>
-            <a:ext cx="4099389" cy="5693866"/>
+            <a:off x="7993294" y="-17236"/>
+            <a:ext cx="4099389" cy="7201972"/>
           </a:xfrm>
           <a:prstGeom prst="rect">
             <a:avLst/>
@@ -3538,26 +3538,46 @@
           <a:p>
             <a:r>
               <a:rPr lang="en-US" sz="1400" dirty="0" smtClean="0"/>
-              <a:t>1  Ground</a:t>
-            </a:r>
-          </a:p>
-          <a:p>
+              <a:t>1  </a:t>
+            </a:r>
             <a:r>
               <a:rPr lang="en-US" sz="1400" dirty="0" smtClean="0"/>
-              <a:t>2  5V</a:t>
-            </a:r>
+              <a:t>Ground - black</a:t>
+            </a:r>
+            <a:endParaRPr lang="en-US" sz="1400" dirty="0" smtClean="0"/>
           </a:p>
           <a:p>
             <a:r>
               <a:rPr lang="en-US" sz="1400" dirty="0" smtClean="0"/>
-              <a:t>3  SDA</a:t>
-            </a:r>
-          </a:p>
-          <a:p>
+              <a:t>2  </a:t>
+            </a:r>
             <a:r>
               <a:rPr lang="en-US" sz="1400" dirty="0" smtClean="0"/>
-              <a:t>4  SCL</a:t>
-            </a:r>
+              <a:t>5V - red</a:t>
+            </a:r>
+            <a:endParaRPr lang="en-US" sz="1400" dirty="0" smtClean="0"/>
+          </a:p>
+          <a:p>
+            <a:r>
+              <a:rPr lang="en-US" sz="1400" dirty="0" smtClean="0"/>
+              <a:t>3  </a:t>
+            </a:r>
+            <a:r>
+              <a:rPr lang="en-US" sz="1400" dirty="0" smtClean="0"/>
+              <a:t>SDA - white</a:t>
+            </a:r>
+            <a:endParaRPr lang="en-US" sz="1400" dirty="0" smtClean="0"/>
+          </a:p>
+          <a:p>
+            <a:r>
+              <a:rPr lang="en-US" sz="1400" dirty="0" smtClean="0"/>
+              <a:t>4  </a:t>
+            </a:r>
+            <a:r>
+              <a:rPr lang="en-US" sz="1400" dirty="0" smtClean="0"/>
+              <a:t>SCL - white</a:t>
+            </a:r>
+            <a:endParaRPr lang="en-US" sz="1400" dirty="0" smtClean="0"/>
           </a:p>
           <a:p>
             <a:r>
@@ -3568,32 +3588,119 @@
           <a:p>
             <a:r>
               <a:rPr lang="en-US" sz="1400" dirty="0" smtClean="0"/>
-              <a:t>1  Ground</a:t>
-            </a:r>
-          </a:p>
-          <a:p>
+              <a:t>1  </a:t>
+            </a:r>
             <a:r>
               <a:rPr lang="en-US" sz="1400" dirty="0" smtClean="0"/>
-              <a:t>2  5V</a:t>
-            </a:r>
+              <a:t>Ground - black</a:t>
+            </a:r>
+            <a:endParaRPr lang="en-US" sz="1400" dirty="0" smtClean="0"/>
           </a:p>
           <a:p>
             <a:r>
               <a:rPr lang="en-US" sz="1400" dirty="0" smtClean="0"/>
-              <a:t>3  SW</a:t>
-            </a:r>
-          </a:p>
-          <a:p>
+              <a:t>2  </a:t>
+            </a:r>
             <a:r>
               <a:rPr lang="en-US" sz="1400" dirty="0" smtClean="0"/>
-              <a:t>4  DT</a:t>
-            </a:r>
+              <a:t>5V - red</a:t>
+            </a:r>
+            <a:endParaRPr lang="en-US" sz="1400" dirty="0" smtClean="0"/>
           </a:p>
           <a:p>
             <a:r>
               <a:rPr lang="en-US" sz="1400" dirty="0" smtClean="0"/>
-              <a:t>5  CLK</a:t>
-            </a:r>
+              <a:t>3  </a:t>
+            </a:r>
+            <a:r>
+              <a:rPr lang="en-US" sz="1400" dirty="0" smtClean="0"/>
+              <a:t>SW - white</a:t>
+            </a:r>
+            <a:endParaRPr lang="en-US" sz="1400" dirty="0" smtClean="0"/>
+          </a:p>
+          <a:p>
+            <a:r>
+              <a:rPr lang="en-US" sz="1400" dirty="0" smtClean="0"/>
+              <a:t>4  </a:t>
+            </a:r>
+            <a:r>
+              <a:rPr lang="en-US" sz="1400" dirty="0" smtClean="0"/>
+              <a:t>DT - white</a:t>
+            </a:r>
+            <a:endParaRPr lang="en-US" sz="1400" dirty="0" smtClean="0"/>
+          </a:p>
+          <a:p>
+            <a:r>
+              <a:rPr lang="en-US" sz="1400" dirty="0" smtClean="0"/>
+              <a:t>5  CLK - white</a:t>
+            </a:r>
+          </a:p>
+          <a:p>
+            <a:r>
+              <a:rPr lang="en-US" sz="1400" dirty="0"/>
+              <a:t>Connector </a:t>
+            </a:r>
+            <a:r>
+              <a:rPr lang="en-US" sz="1400" dirty="0" smtClean="0"/>
+              <a:t>6 </a:t>
+            </a:r>
+            <a:r>
+              <a:rPr lang="en-US" sz="1400" dirty="0"/>
+              <a:t>-  </a:t>
+            </a:r>
+            <a:r>
+              <a:rPr lang="en-US" sz="1400" dirty="0" smtClean="0"/>
+              <a:t>A2D</a:t>
+            </a:r>
+            <a:endParaRPr lang="en-US" sz="1400" dirty="0"/>
+          </a:p>
+          <a:p>
+            <a:r>
+              <a:rPr lang="en-US" sz="1400" dirty="0"/>
+              <a:t>1  </a:t>
+            </a:r>
+            <a:r>
+              <a:rPr lang="en-US" sz="1400" dirty="0" smtClean="0"/>
+              <a:t>Ground - black</a:t>
+            </a:r>
+            <a:endParaRPr lang="en-US" sz="1400" dirty="0"/>
+          </a:p>
+          <a:p>
+            <a:r>
+              <a:rPr lang="en-US" sz="1400" dirty="0"/>
+              <a:t>2  </a:t>
+            </a:r>
+            <a:r>
+              <a:rPr lang="en-US" sz="1400" dirty="0" smtClean="0"/>
+              <a:t>5V - red</a:t>
+            </a:r>
+            <a:endParaRPr lang="en-US" sz="1400" dirty="0"/>
+          </a:p>
+          <a:p>
+            <a:r>
+              <a:rPr lang="en-US" sz="1400" dirty="0"/>
+              <a:t>3  </a:t>
+            </a:r>
+            <a:r>
+              <a:rPr lang="en-US" sz="1400" dirty="0" smtClean="0"/>
+              <a:t>SDA - white</a:t>
+            </a:r>
+            <a:endParaRPr lang="en-US" sz="1400" dirty="0"/>
+          </a:p>
+          <a:p>
+            <a:r>
+              <a:rPr lang="en-US" sz="1400" dirty="0" smtClean="0"/>
+              <a:t>4  SCL - blue</a:t>
+            </a:r>
+          </a:p>
+          <a:p>
+            <a:r>
+              <a:rPr lang="en-US" sz="1400" dirty="0" smtClean="0"/>
+              <a:t>5  11V - purple</a:t>
+            </a:r>
+            <a:endParaRPr lang="en-US" sz="1400" dirty="0"/>
+          </a:p>
+          <a:p>
             <a:endParaRPr lang="en-US" sz="1400" dirty="0"/>
           </a:p>
         </p:txBody>
@@ -3606,7 +3713,7 @@
         </p:nvSpPr>
         <p:spPr>
           <a:xfrm>
-            <a:off x="544527" y="1977779"/>
+            <a:off x="2146853" y="1973175"/>
             <a:ext cx="518091" cy="369332"/>
           </a:xfrm>
           <a:prstGeom prst="rect">
@@ -3655,6 +3762,80 @@
               <a:t>Arduino Nano</a:t>
             </a:r>
             <a:endParaRPr lang="en-US" dirty="0"/>
+          </a:p>
+        </p:txBody>
+      </p:sp>
+      <p:sp>
+        <p:nvSpPr>
+          <p:cNvPr id="17" name="Rectangle 16"/>
+          <p:cNvSpPr/>
+          <p:nvPr/>
+        </p:nvSpPr>
+        <p:spPr>
+          <a:xfrm rot="16200000">
+            <a:off x="6432325" y="2676116"/>
+            <a:ext cx="1253442" cy="339047"/>
+          </a:xfrm>
+          <a:prstGeom prst="rect">
+            <a:avLst/>
+          </a:prstGeom>
+        </p:spPr>
+        <p:style>
+          <a:lnRef idx="2">
+            <a:schemeClr val="accent1">
+              <a:shade val="50000"/>
+            </a:schemeClr>
+          </a:lnRef>
+          <a:fillRef idx="1">
+            <a:schemeClr val="accent1"/>
+          </a:fillRef>
+          <a:effectRef idx="0">
+            <a:schemeClr val="accent1"/>
+          </a:effectRef>
+          <a:fontRef idx="minor">
+            <a:schemeClr val="lt1"/>
+          </a:fontRef>
+        </p:style>
+        <p:txBody>
+          <a:bodyPr rtlCol="0" anchor="ctr"/>
+          <a:lstStyle/>
+          <a:p>
+            <a:pPr algn="ctr"/>
+            <a:r>
+              <a:rPr lang="en-US" dirty="0" smtClean="0"/>
+              <a:t>5  4  3  2  1</a:t>
+            </a:r>
+            <a:endParaRPr lang="en-US" dirty="0"/>
+          </a:p>
+        </p:txBody>
+      </p:sp>
+      <p:sp>
+        <p:nvSpPr>
+          <p:cNvPr id="18" name="TextBox 17"/>
+          <p:cNvSpPr txBox="1"/>
+          <p:nvPr/>
+        </p:nvSpPr>
+        <p:spPr>
+          <a:xfrm>
+            <a:off x="6873506" y="3385117"/>
+            <a:ext cx="418704" cy="646331"/>
+          </a:xfrm>
+          <a:prstGeom prst="rect">
+            <a:avLst/>
+          </a:prstGeom>
+          <a:noFill/>
+        </p:spPr>
+        <p:txBody>
+          <a:bodyPr wrap="none" rtlCol="0">
+            <a:spAutoFit/>
+          </a:bodyPr>
+          <a:lstStyle/>
+          <a:p>
+            <a:r>
+              <a:rPr lang="en-US" sz="3600" dirty="0"/>
+              <a:t>6</a:t>
+            </a:r>
+            <a:endParaRPr lang="en-US" sz="3600" dirty="0"/>
           </a:p>
         </p:txBody>
       </p:sp>
